--- a/Мой диплом/snpk.pptx
+++ b/Мой диплом/snpk.pptx
@@ -17063,11 +17063,6 @@
               </a:rPr>
               <a:t> системы с семантическим поиском</a:t>
             </a:r>
-            <a:endParaRPr lang="ru-RU" sz="3200" b="1" cap="all" dirty="0">
-              <a:latin typeface="Microsoft Sans Serif" panose="020B0604020202020204" pitchFamily="34" charset="0"/>
-              <a:ea typeface="Microsoft Sans Serif" panose="020B0604020202020204" pitchFamily="34" charset="0"/>
-              <a:cs typeface="Microsoft Sans Serif" panose="020B0604020202020204" pitchFamily="34" charset="0"/>
-            </a:endParaRPr>
           </a:p>
         </p:txBody>
       </p:sp>
@@ -17257,8 +17252,16 @@
               <a:t>В работе алгоритма используется как уже обученные модели из пакета </a:t>
             </a:r>
             <a:r>
+              <a:rPr lang="en-US" sz="1600" dirty="0" err="1" smtClean="0"/>
+              <a:t>gen</a:t>
+            </a:r>
+            <a:r>
+              <a:rPr lang="en-US" sz="1600" dirty="0" err="1" smtClean="0"/>
+              <a:t>sim</a:t>
+            </a:r>
+            <a:r>
               <a:rPr lang="en-US" sz="1600" dirty="0" smtClean="0"/>
-              <a:t>genism </a:t>
+              <a:t> </a:t>
             </a:r>
             <a:r>
               <a:rPr lang="ru-RU" sz="1600" dirty="0" smtClean="0"/>
@@ -18660,7 +18663,6 @@
               <a:rPr lang="ru-RU" dirty="0"/>
               <a:t>Важным аспектом является не только нахождение документов, но и их сортировка по релевантности. Стандартные SQL-запросы не обладают встроенной поддержкой ранжирования результатов на основе того, насколько близки слова запроса к друг другу в документе или как часто они встречаются.</a:t>
             </a:r>
-            <a:endParaRPr lang="ru-RU" dirty="0"/>
           </a:p>
         </p:txBody>
       </p:sp>
@@ -19439,7 +19441,7 @@
         </p:nvGraphicFramePr>
         <p:xfrm>
           <a:off x="5907740" y="1607943"/>
-          <a:ext cx="5916707" cy="4986664"/>
+          <a:ext cx="5916707" cy="4986600"/>
         </p:xfrm>
         <a:graphic>
           <a:graphicData uri="http://schemas.openxmlformats.org/drawingml/2006/table">
@@ -20566,7 +20568,7 @@
         </p:spPr>
         <p:txBody>
           <a:bodyPr>
-            <a:normAutofit fontScale="77500" lnSpcReduction="20000"/>
+            <a:normAutofit fontScale="85000" lnSpcReduction="20000"/>
           </a:bodyPr>
           <a:lstStyle/>
           <a:p>
@@ -23059,7 +23061,6 @@
               <a:rPr lang="ru-RU" b="1" dirty="0"/>
               <a:t>), 1 скрытый слой, окно = 1</a:t>
             </a:r>
-            <a:endParaRPr lang="ru-RU" b="1" dirty="0"/>
           </a:p>
         </p:txBody>
       </p:sp>
